--- a/ppt 16-9/1401.圣徒生活.pptx
+++ b/ppt 16-9/1401.圣徒生活.pptx
@@ -5,7 +5,7 @@
     <p:sldMasterId id="2147483648" r:id="rId1"/>
   </p:sldMasterIdLst>
   <p:sldIdLst>
-    <p:sldId id="972" r:id="rId2"/>
+    <p:sldId id="973" r:id="rId2"/>
   </p:sldIdLst>
   <p:sldSz cx="12192000" cy="6858000"/>
   <p:notesSz cx="6858000" cy="9144000"/>
@@ -129,7 +129,7 @@
           <p:cNvPr id="2" name="标题 1">
             <a:extLst>
               <a:ext uri="{FF2B5EF4-FFF2-40B4-BE49-F238E27FC236}">
-                <a16:creationId xmlns:a16="http://schemas.microsoft.com/office/drawing/2014/main" id="{FD9DF216-C27C-9F63-F319-06E57953995E}"/>
+                <a16:creationId xmlns:a16="http://schemas.microsoft.com/office/drawing/2014/main" id="{7CDC20A5-D4E2-2F4C-8E95-778EE1AB6A13}"/>
               </a:ext>
             </a:extLst>
           </p:cNvPr>
@@ -166,7 +166,7 @@
           <p:cNvPr id="3" name="副标题 2">
             <a:extLst>
               <a:ext uri="{FF2B5EF4-FFF2-40B4-BE49-F238E27FC236}">
-                <a16:creationId xmlns:a16="http://schemas.microsoft.com/office/drawing/2014/main" id="{BB42A18E-4614-ED61-995B-8D78B3CA005B}"/>
+                <a16:creationId xmlns:a16="http://schemas.microsoft.com/office/drawing/2014/main" id="{A2E189A1-807F-412C-C99A-20B3F0357E2E}"/>
               </a:ext>
             </a:extLst>
           </p:cNvPr>
@@ -236,7 +236,7 @@
           <p:cNvPr id="4" name="日期占位符 3">
             <a:extLst>
               <a:ext uri="{FF2B5EF4-FFF2-40B4-BE49-F238E27FC236}">
-                <a16:creationId xmlns:a16="http://schemas.microsoft.com/office/drawing/2014/main" id="{60A0A8E1-4FD7-1F86-87D1-442216FE500E}"/>
+                <a16:creationId xmlns:a16="http://schemas.microsoft.com/office/drawing/2014/main" id="{B9F03FFD-A044-3131-A648-50541AB59941}"/>
               </a:ext>
             </a:extLst>
           </p:cNvPr>
@@ -252,7 +252,7 @@
           <a:bodyPr/>
           <a:lstStyle/>
           <a:p>
-            <a:fld id="{9FE2E2A8-8E64-4739-A25E-6FAA75D9A269}" type="datetimeFigureOut">
+            <a:fld id="{48B55DAE-7671-42EA-A16D-EC535B003E4B}" type="datetimeFigureOut">
               <a:rPr lang="zh-CN" altLang="en-US" smtClean="0"/>
               <a:t>2024/3/10</a:t>
             </a:fld>
@@ -265,7 +265,7 @@
           <p:cNvPr id="5" name="页脚占位符 4">
             <a:extLst>
               <a:ext uri="{FF2B5EF4-FFF2-40B4-BE49-F238E27FC236}">
-                <a16:creationId xmlns:a16="http://schemas.microsoft.com/office/drawing/2014/main" id="{1B351224-0635-4C14-26CB-B91F7E396A7D}"/>
+                <a16:creationId xmlns:a16="http://schemas.microsoft.com/office/drawing/2014/main" id="{A531CDEC-B554-0329-F3D1-3853A9FFDF68}"/>
               </a:ext>
             </a:extLst>
           </p:cNvPr>
@@ -290,7 +290,7 @@
           <p:cNvPr id="6" name="灯片编号占位符 5">
             <a:extLst>
               <a:ext uri="{FF2B5EF4-FFF2-40B4-BE49-F238E27FC236}">
-                <a16:creationId xmlns:a16="http://schemas.microsoft.com/office/drawing/2014/main" id="{895B6A16-F5E3-803C-56AA-11CAC3D6CD51}"/>
+                <a16:creationId xmlns:a16="http://schemas.microsoft.com/office/drawing/2014/main" id="{2DEFA09F-56C8-2AD4-D0FA-18C27B98F940}"/>
               </a:ext>
             </a:extLst>
           </p:cNvPr>
@@ -306,7 +306,7 @@
           <a:bodyPr/>
           <a:lstStyle/>
           <a:p>
-            <a:fld id="{6ABEA04E-3DAB-43AA-8A97-8B1FEC53F053}" type="slidenum">
+            <a:fld id="{70C3A1E3-F22C-41C7-84AF-8959A830B42D}" type="slidenum">
               <a:rPr lang="zh-CN" altLang="en-US" smtClean="0"/>
               <a:t>‹#›</a:t>
             </a:fld>
@@ -317,7 +317,7 @@
     </p:spTree>
     <p:extLst>
       <p:ext uri="{BB962C8B-B14F-4D97-AF65-F5344CB8AC3E}">
-        <p14:creationId xmlns:p14="http://schemas.microsoft.com/office/powerpoint/2010/main" val="1755903148"/>
+        <p14:creationId xmlns:p14="http://schemas.microsoft.com/office/powerpoint/2010/main" val="3393873887"/>
       </p:ext>
     </p:extLst>
   </p:cSld>
@@ -349,7 +349,7 @@
           <p:cNvPr id="2" name="标题 1">
             <a:extLst>
               <a:ext uri="{FF2B5EF4-FFF2-40B4-BE49-F238E27FC236}">
-                <a16:creationId xmlns:a16="http://schemas.microsoft.com/office/drawing/2014/main" id="{1D19DBFB-27AB-E395-B3B9-D53E8C3485CB}"/>
+                <a16:creationId xmlns:a16="http://schemas.microsoft.com/office/drawing/2014/main" id="{F6DCCB03-7526-BFBA-637B-45A4A64F5D32}"/>
               </a:ext>
             </a:extLst>
           </p:cNvPr>
@@ -377,7 +377,7 @@
           <p:cNvPr id="3" name="竖排文字占位符 2">
             <a:extLst>
               <a:ext uri="{FF2B5EF4-FFF2-40B4-BE49-F238E27FC236}">
-                <a16:creationId xmlns:a16="http://schemas.microsoft.com/office/drawing/2014/main" id="{E4BABF6A-FF5D-95CF-4014-70F8BE63E1BB}"/>
+                <a16:creationId xmlns:a16="http://schemas.microsoft.com/office/drawing/2014/main" id="{4665E631-888E-EEFD-BE48-2B240DD3F159}"/>
               </a:ext>
             </a:extLst>
           </p:cNvPr>
@@ -434,7 +434,7 @@
           <p:cNvPr id="4" name="日期占位符 3">
             <a:extLst>
               <a:ext uri="{FF2B5EF4-FFF2-40B4-BE49-F238E27FC236}">
-                <a16:creationId xmlns:a16="http://schemas.microsoft.com/office/drawing/2014/main" id="{39EE0F0C-EAE2-074F-38A7-C348CD12C966}"/>
+                <a16:creationId xmlns:a16="http://schemas.microsoft.com/office/drawing/2014/main" id="{090C76A9-2761-AEAA-5DD2-FBCBE60A5DE8}"/>
               </a:ext>
             </a:extLst>
           </p:cNvPr>
@@ -450,7 +450,7 @@
           <a:bodyPr/>
           <a:lstStyle/>
           <a:p>
-            <a:fld id="{9FE2E2A8-8E64-4739-A25E-6FAA75D9A269}" type="datetimeFigureOut">
+            <a:fld id="{48B55DAE-7671-42EA-A16D-EC535B003E4B}" type="datetimeFigureOut">
               <a:rPr lang="zh-CN" altLang="en-US" smtClean="0"/>
               <a:t>2024/3/10</a:t>
             </a:fld>
@@ -463,7 +463,7 @@
           <p:cNvPr id="5" name="页脚占位符 4">
             <a:extLst>
               <a:ext uri="{FF2B5EF4-FFF2-40B4-BE49-F238E27FC236}">
-                <a16:creationId xmlns:a16="http://schemas.microsoft.com/office/drawing/2014/main" id="{F0506E38-7088-C4D5-0040-383B113AA99C}"/>
+                <a16:creationId xmlns:a16="http://schemas.microsoft.com/office/drawing/2014/main" id="{EB56828E-6B79-C297-77CA-241D2C6B4DD1}"/>
               </a:ext>
             </a:extLst>
           </p:cNvPr>
@@ -488,7 +488,7 @@
           <p:cNvPr id="6" name="灯片编号占位符 5">
             <a:extLst>
               <a:ext uri="{FF2B5EF4-FFF2-40B4-BE49-F238E27FC236}">
-                <a16:creationId xmlns:a16="http://schemas.microsoft.com/office/drawing/2014/main" id="{421477FE-1CD0-84E1-13EC-B30BE6277962}"/>
+                <a16:creationId xmlns:a16="http://schemas.microsoft.com/office/drawing/2014/main" id="{39395F2D-80EA-7F88-75AA-BD77BBFB7E9F}"/>
               </a:ext>
             </a:extLst>
           </p:cNvPr>
@@ -504,7 +504,7 @@
           <a:bodyPr/>
           <a:lstStyle/>
           <a:p>
-            <a:fld id="{6ABEA04E-3DAB-43AA-8A97-8B1FEC53F053}" type="slidenum">
+            <a:fld id="{70C3A1E3-F22C-41C7-84AF-8959A830B42D}" type="slidenum">
               <a:rPr lang="zh-CN" altLang="en-US" smtClean="0"/>
               <a:t>‹#›</a:t>
             </a:fld>
@@ -515,7 +515,7 @@
     </p:spTree>
     <p:extLst>
       <p:ext uri="{BB962C8B-B14F-4D97-AF65-F5344CB8AC3E}">
-        <p14:creationId xmlns:p14="http://schemas.microsoft.com/office/powerpoint/2010/main" val="3886729124"/>
+        <p14:creationId xmlns:p14="http://schemas.microsoft.com/office/powerpoint/2010/main" val="2094508352"/>
       </p:ext>
     </p:extLst>
   </p:cSld>
@@ -547,7 +547,7 @@
           <p:cNvPr id="2" name="竖排标题 1">
             <a:extLst>
               <a:ext uri="{FF2B5EF4-FFF2-40B4-BE49-F238E27FC236}">
-                <a16:creationId xmlns:a16="http://schemas.microsoft.com/office/drawing/2014/main" id="{06E0FF6A-A1E5-8383-22D8-6B9BE8D95083}"/>
+                <a16:creationId xmlns:a16="http://schemas.microsoft.com/office/drawing/2014/main" id="{90A0C925-3633-FFD4-32E7-AED29F147F0C}"/>
               </a:ext>
             </a:extLst>
           </p:cNvPr>
@@ -580,7 +580,7 @@
           <p:cNvPr id="3" name="竖排文字占位符 2">
             <a:extLst>
               <a:ext uri="{FF2B5EF4-FFF2-40B4-BE49-F238E27FC236}">
-                <a16:creationId xmlns:a16="http://schemas.microsoft.com/office/drawing/2014/main" id="{389CCFC5-B5A1-071D-2275-7A5AAFD6C594}"/>
+                <a16:creationId xmlns:a16="http://schemas.microsoft.com/office/drawing/2014/main" id="{CD6CE70C-0D8D-B1EF-BDBE-4E30624B42BD}"/>
               </a:ext>
             </a:extLst>
           </p:cNvPr>
@@ -642,7 +642,7 @@
           <p:cNvPr id="4" name="日期占位符 3">
             <a:extLst>
               <a:ext uri="{FF2B5EF4-FFF2-40B4-BE49-F238E27FC236}">
-                <a16:creationId xmlns:a16="http://schemas.microsoft.com/office/drawing/2014/main" id="{D886FF92-7FA1-06FD-F477-C711982BD541}"/>
+                <a16:creationId xmlns:a16="http://schemas.microsoft.com/office/drawing/2014/main" id="{1F212E45-A0DC-AD6A-9414-DA3CADE2F423}"/>
               </a:ext>
             </a:extLst>
           </p:cNvPr>
@@ -658,7 +658,7 @@
           <a:bodyPr/>
           <a:lstStyle/>
           <a:p>
-            <a:fld id="{9FE2E2A8-8E64-4739-A25E-6FAA75D9A269}" type="datetimeFigureOut">
+            <a:fld id="{48B55DAE-7671-42EA-A16D-EC535B003E4B}" type="datetimeFigureOut">
               <a:rPr lang="zh-CN" altLang="en-US" smtClean="0"/>
               <a:t>2024/3/10</a:t>
             </a:fld>
@@ -671,7 +671,7 @@
           <p:cNvPr id="5" name="页脚占位符 4">
             <a:extLst>
               <a:ext uri="{FF2B5EF4-FFF2-40B4-BE49-F238E27FC236}">
-                <a16:creationId xmlns:a16="http://schemas.microsoft.com/office/drawing/2014/main" id="{3CAD80EE-2F03-5D72-124D-0B44FFDCE9E8}"/>
+                <a16:creationId xmlns:a16="http://schemas.microsoft.com/office/drawing/2014/main" id="{C24C00EF-419F-11D2-CCA8-028210F505A9}"/>
               </a:ext>
             </a:extLst>
           </p:cNvPr>
@@ -696,7 +696,7 @@
           <p:cNvPr id="6" name="灯片编号占位符 5">
             <a:extLst>
               <a:ext uri="{FF2B5EF4-FFF2-40B4-BE49-F238E27FC236}">
-                <a16:creationId xmlns:a16="http://schemas.microsoft.com/office/drawing/2014/main" id="{F9453261-606A-0390-E550-D740FED99C93}"/>
+                <a16:creationId xmlns:a16="http://schemas.microsoft.com/office/drawing/2014/main" id="{F4C540F3-AFD8-E282-74E8-A45374FC1C9A}"/>
               </a:ext>
             </a:extLst>
           </p:cNvPr>
@@ -712,7 +712,7 @@
           <a:bodyPr/>
           <a:lstStyle/>
           <a:p>
-            <a:fld id="{6ABEA04E-3DAB-43AA-8A97-8B1FEC53F053}" type="slidenum">
+            <a:fld id="{70C3A1E3-F22C-41C7-84AF-8959A830B42D}" type="slidenum">
               <a:rPr lang="zh-CN" altLang="en-US" smtClean="0"/>
               <a:t>‹#›</a:t>
             </a:fld>
@@ -723,7 +723,7 @@
     </p:spTree>
     <p:extLst>
       <p:ext uri="{BB962C8B-B14F-4D97-AF65-F5344CB8AC3E}">
-        <p14:creationId xmlns:p14="http://schemas.microsoft.com/office/powerpoint/2010/main" val="4290643210"/>
+        <p14:creationId xmlns:p14="http://schemas.microsoft.com/office/powerpoint/2010/main" val="2081215928"/>
       </p:ext>
     </p:extLst>
   </p:cSld>
@@ -755,7 +755,7 @@
           <p:cNvPr id="2" name="标题 1">
             <a:extLst>
               <a:ext uri="{FF2B5EF4-FFF2-40B4-BE49-F238E27FC236}">
-                <a16:creationId xmlns:a16="http://schemas.microsoft.com/office/drawing/2014/main" id="{EC39A500-C8E1-C202-3734-FFDBCE76A06A}"/>
+                <a16:creationId xmlns:a16="http://schemas.microsoft.com/office/drawing/2014/main" id="{68527479-B47C-2957-1F1D-D43C30C1C47F}"/>
               </a:ext>
             </a:extLst>
           </p:cNvPr>
@@ -783,7 +783,7 @@
           <p:cNvPr id="3" name="内容占位符 2">
             <a:extLst>
               <a:ext uri="{FF2B5EF4-FFF2-40B4-BE49-F238E27FC236}">
-                <a16:creationId xmlns:a16="http://schemas.microsoft.com/office/drawing/2014/main" id="{6DF1A8B8-82ED-B9BE-A1F3-565748D4CE9B}"/>
+                <a16:creationId xmlns:a16="http://schemas.microsoft.com/office/drawing/2014/main" id="{B5590D31-C230-383A-5CAB-8213B75E4382}"/>
               </a:ext>
             </a:extLst>
           </p:cNvPr>
@@ -840,7 +840,7 @@
           <p:cNvPr id="4" name="日期占位符 3">
             <a:extLst>
               <a:ext uri="{FF2B5EF4-FFF2-40B4-BE49-F238E27FC236}">
-                <a16:creationId xmlns:a16="http://schemas.microsoft.com/office/drawing/2014/main" id="{AAF11139-AE28-705D-1AB5-5C5A7D9C776E}"/>
+                <a16:creationId xmlns:a16="http://schemas.microsoft.com/office/drawing/2014/main" id="{7300C53B-E77F-DB48-BC44-4F3AB80E4747}"/>
               </a:ext>
             </a:extLst>
           </p:cNvPr>
@@ -856,7 +856,7 @@
           <a:bodyPr/>
           <a:lstStyle/>
           <a:p>
-            <a:fld id="{9FE2E2A8-8E64-4739-A25E-6FAA75D9A269}" type="datetimeFigureOut">
+            <a:fld id="{48B55DAE-7671-42EA-A16D-EC535B003E4B}" type="datetimeFigureOut">
               <a:rPr lang="zh-CN" altLang="en-US" smtClean="0"/>
               <a:t>2024/3/10</a:t>
             </a:fld>
@@ -869,7 +869,7 @@
           <p:cNvPr id="5" name="页脚占位符 4">
             <a:extLst>
               <a:ext uri="{FF2B5EF4-FFF2-40B4-BE49-F238E27FC236}">
-                <a16:creationId xmlns:a16="http://schemas.microsoft.com/office/drawing/2014/main" id="{157A8C56-7C60-C981-5515-C29E8CAA23FA}"/>
+                <a16:creationId xmlns:a16="http://schemas.microsoft.com/office/drawing/2014/main" id="{B8F69B66-D4B0-FFF3-D153-94580197B9A9}"/>
               </a:ext>
             </a:extLst>
           </p:cNvPr>
@@ -894,7 +894,7 @@
           <p:cNvPr id="6" name="灯片编号占位符 5">
             <a:extLst>
               <a:ext uri="{FF2B5EF4-FFF2-40B4-BE49-F238E27FC236}">
-                <a16:creationId xmlns:a16="http://schemas.microsoft.com/office/drawing/2014/main" id="{28F62A2E-7B44-5D64-12B6-553E67674425}"/>
+                <a16:creationId xmlns:a16="http://schemas.microsoft.com/office/drawing/2014/main" id="{52B86C9F-A399-0D13-BE37-7C66D9C3B5A1}"/>
               </a:ext>
             </a:extLst>
           </p:cNvPr>
@@ -910,7 +910,7 @@
           <a:bodyPr/>
           <a:lstStyle/>
           <a:p>
-            <a:fld id="{6ABEA04E-3DAB-43AA-8A97-8B1FEC53F053}" type="slidenum">
+            <a:fld id="{70C3A1E3-F22C-41C7-84AF-8959A830B42D}" type="slidenum">
               <a:rPr lang="zh-CN" altLang="en-US" smtClean="0"/>
               <a:t>‹#›</a:t>
             </a:fld>
@@ -921,7 +921,7 @@
     </p:spTree>
     <p:extLst>
       <p:ext uri="{BB962C8B-B14F-4D97-AF65-F5344CB8AC3E}">
-        <p14:creationId xmlns:p14="http://schemas.microsoft.com/office/powerpoint/2010/main" val="4207914215"/>
+        <p14:creationId xmlns:p14="http://schemas.microsoft.com/office/powerpoint/2010/main" val="696647937"/>
       </p:ext>
     </p:extLst>
   </p:cSld>
@@ -953,7 +953,7 @@
           <p:cNvPr id="2" name="标题 1">
             <a:extLst>
               <a:ext uri="{FF2B5EF4-FFF2-40B4-BE49-F238E27FC236}">
-                <a16:creationId xmlns:a16="http://schemas.microsoft.com/office/drawing/2014/main" id="{DA7DA73E-3B47-9D52-5715-BA041BBDD69C}"/>
+                <a16:creationId xmlns:a16="http://schemas.microsoft.com/office/drawing/2014/main" id="{83348118-04D7-3779-7E84-8ED1961D087A}"/>
               </a:ext>
             </a:extLst>
           </p:cNvPr>
@@ -990,7 +990,7 @@
           <p:cNvPr id="3" name="文本占位符 2">
             <a:extLst>
               <a:ext uri="{FF2B5EF4-FFF2-40B4-BE49-F238E27FC236}">
-                <a16:creationId xmlns:a16="http://schemas.microsoft.com/office/drawing/2014/main" id="{7AC68C24-B4E3-5577-9FE8-FDFEE232C113}"/>
+                <a16:creationId xmlns:a16="http://schemas.microsoft.com/office/drawing/2014/main" id="{98A8CD92-0FE0-7411-168C-D19522D6744D}"/>
               </a:ext>
             </a:extLst>
           </p:cNvPr>
@@ -1115,7 +1115,7 @@
           <p:cNvPr id="4" name="日期占位符 3">
             <a:extLst>
               <a:ext uri="{FF2B5EF4-FFF2-40B4-BE49-F238E27FC236}">
-                <a16:creationId xmlns:a16="http://schemas.microsoft.com/office/drawing/2014/main" id="{3F4898CA-E0E3-D89C-C0EA-6B38A8727835}"/>
+                <a16:creationId xmlns:a16="http://schemas.microsoft.com/office/drawing/2014/main" id="{BBCF3915-8BDA-5ED3-EDE5-BD0B08453959}"/>
               </a:ext>
             </a:extLst>
           </p:cNvPr>
@@ -1131,7 +1131,7 @@
           <a:bodyPr/>
           <a:lstStyle/>
           <a:p>
-            <a:fld id="{9FE2E2A8-8E64-4739-A25E-6FAA75D9A269}" type="datetimeFigureOut">
+            <a:fld id="{48B55DAE-7671-42EA-A16D-EC535B003E4B}" type="datetimeFigureOut">
               <a:rPr lang="zh-CN" altLang="en-US" smtClean="0"/>
               <a:t>2024/3/10</a:t>
             </a:fld>
@@ -1144,7 +1144,7 @@
           <p:cNvPr id="5" name="页脚占位符 4">
             <a:extLst>
               <a:ext uri="{FF2B5EF4-FFF2-40B4-BE49-F238E27FC236}">
-                <a16:creationId xmlns:a16="http://schemas.microsoft.com/office/drawing/2014/main" id="{36C541E3-014C-DF05-A242-0C775B4E62E0}"/>
+                <a16:creationId xmlns:a16="http://schemas.microsoft.com/office/drawing/2014/main" id="{BFF17EA3-1412-BC8B-AF78-A1CF9E65D2D4}"/>
               </a:ext>
             </a:extLst>
           </p:cNvPr>
@@ -1169,7 +1169,7 @@
           <p:cNvPr id="6" name="灯片编号占位符 5">
             <a:extLst>
               <a:ext uri="{FF2B5EF4-FFF2-40B4-BE49-F238E27FC236}">
-                <a16:creationId xmlns:a16="http://schemas.microsoft.com/office/drawing/2014/main" id="{3A118CD1-8D31-8033-A7E1-3E2DE5C7AC5E}"/>
+                <a16:creationId xmlns:a16="http://schemas.microsoft.com/office/drawing/2014/main" id="{C5E95903-F49A-74FD-23C7-2B61208F517A}"/>
               </a:ext>
             </a:extLst>
           </p:cNvPr>
@@ -1185,7 +1185,7 @@
           <a:bodyPr/>
           <a:lstStyle/>
           <a:p>
-            <a:fld id="{6ABEA04E-3DAB-43AA-8A97-8B1FEC53F053}" type="slidenum">
+            <a:fld id="{70C3A1E3-F22C-41C7-84AF-8959A830B42D}" type="slidenum">
               <a:rPr lang="zh-CN" altLang="en-US" smtClean="0"/>
               <a:t>‹#›</a:t>
             </a:fld>
@@ -1196,7 +1196,7 @@
     </p:spTree>
     <p:extLst>
       <p:ext uri="{BB962C8B-B14F-4D97-AF65-F5344CB8AC3E}">
-        <p14:creationId xmlns:p14="http://schemas.microsoft.com/office/powerpoint/2010/main" val="3601684266"/>
+        <p14:creationId xmlns:p14="http://schemas.microsoft.com/office/powerpoint/2010/main" val="4269578457"/>
       </p:ext>
     </p:extLst>
   </p:cSld>
@@ -1228,7 +1228,7 @@
           <p:cNvPr id="2" name="标题 1">
             <a:extLst>
               <a:ext uri="{FF2B5EF4-FFF2-40B4-BE49-F238E27FC236}">
-                <a16:creationId xmlns:a16="http://schemas.microsoft.com/office/drawing/2014/main" id="{FFD39AC9-F7CA-CE1A-74DB-E5B98F2DE330}"/>
+                <a16:creationId xmlns:a16="http://schemas.microsoft.com/office/drawing/2014/main" id="{FCDE2A84-17A2-B974-80C6-6B5856BC20E2}"/>
               </a:ext>
             </a:extLst>
           </p:cNvPr>
@@ -1256,7 +1256,7 @@
           <p:cNvPr id="3" name="内容占位符 2">
             <a:extLst>
               <a:ext uri="{FF2B5EF4-FFF2-40B4-BE49-F238E27FC236}">
-                <a16:creationId xmlns:a16="http://schemas.microsoft.com/office/drawing/2014/main" id="{0E1A58C9-C369-014A-C9E3-3B30899EBCCB}"/>
+                <a16:creationId xmlns:a16="http://schemas.microsoft.com/office/drawing/2014/main" id="{CDF0F860-B3BE-5DF2-A390-3ED66AA50193}"/>
               </a:ext>
             </a:extLst>
           </p:cNvPr>
@@ -1318,7 +1318,7 @@
           <p:cNvPr id="4" name="内容占位符 3">
             <a:extLst>
               <a:ext uri="{FF2B5EF4-FFF2-40B4-BE49-F238E27FC236}">
-                <a16:creationId xmlns:a16="http://schemas.microsoft.com/office/drawing/2014/main" id="{B5385ABD-70FB-1D9B-8CC9-2E4117041587}"/>
+                <a16:creationId xmlns:a16="http://schemas.microsoft.com/office/drawing/2014/main" id="{CA3B1A7D-A409-64A8-57CC-718D5912500A}"/>
               </a:ext>
             </a:extLst>
           </p:cNvPr>
@@ -1380,7 +1380,7 @@
           <p:cNvPr id="5" name="日期占位符 4">
             <a:extLst>
               <a:ext uri="{FF2B5EF4-FFF2-40B4-BE49-F238E27FC236}">
-                <a16:creationId xmlns:a16="http://schemas.microsoft.com/office/drawing/2014/main" id="{E54F1A41-A8DB-71B4-06F2-B9FE39F2BD95}"/>
+                <a16:creationId xmlns:a16="http://schemas.microsoft.com/office/drawing/2014/main" id="{88AAEC12-3C98-E901-8BC2-9637BB80999A}"/>
               </a:ext>
             </a:extLst>
           </p:cNvPr>
@@ -1396,7 +1396,7 @@
           <a:bodyPr/>
           <a:lstStyle/>
           <a:p>
-            <a:fld id="{9FE2E2A8-8E64-4739-A25E-6FAA75D9A269}" type="datetimeFigureOut">
+            <a:fld id="{48B55DAE-7671-42EA-A16D-EC535B003E4B}" type="datetimeFigureOut">
               <a:rPr lang="zh-CN" altLang="en-US" smtClean="0"/>
               <a:t>2024/3/10</a:t>
             </a:fld>
@@ -1409,7 +1409,7 @@
           <p:cNvPr id="6" name="页脚占位符 5">
             <a:extLst>
               <a:ext uri="{FF2B5EF4-FFF2-40B4-BE49-F238E27FC236}">
-                <a16:creationId xmlns:a16="http://schemas.microsoft.com/office/drawing/2014/main" id="{F240DCB8-77F1-1084-6D0C-1BDE08122791}"/>
+                <a16:creationId xmlns:a16="http://schemas.microsoft.com/office/drawing/2014/main" id="{272C3B37-E0ED-6FDE-6629-F2CFF826DD03}"/>
               </a:ext>
             </a:extLst>
           </p:cNvPr>
@@ -1434,7 +1434,7 @@
           <p:cNvPr id="7" name="灯片编号占位符 6">
             <a:extLst>
               <a:ext uri="{FF2B5EF4-FFF2-40B4-BE49-F238E27FC236}">
-                <a16:creationId xmlns:a16="http://schemas.microsoft.com/office/drawing/2014/main" id="{D31058C2-98CD-3F42-A39E-283558E2AF0C}"/>
+                <a16:creationId xmlns:a16="http://schemas.microsoft.com/office/drawing/2014/main" id="{2B2773E5-6F3A-2A98-AC68-9B04EAF8D566}"/>
               </a:ext>
             </a:extLst>
           </p:cNvPr>
@@ -1450,7 +1450,7 @@
           <a:bodyPr/>
           <a:lstStyle/>
           <a:p>
-            <a:fld id="{6ABEA04E-3DAB-43AA-8A97-8B1FEC53F053}" type="slidenum">
+            <a:fld id="{70C3A1E3-F22C-41C7-84AF-8959A830B42D}" type="slidenum">
               <a:rPr lang="zh-CN" altLang="en-US" smtClean="0"/>
               <a:t>‹#›</a:t>
             </a:fld>
@@ -1461,7 +1461,7 @@
     </p:spTree>
     <p:extLst>
       <p:ext uri="{BB962C8B-B14F-4D97-AF65-F5344CB8AC3E}">
-        <p14:creationId xmlns:p14="http://schemas.microsoft.com/office/powerpoint/2010/main" val="615083263"/>
+        <p14:creationId xmlns:p14="http://schemas.microsoft.com/office/powerpoint/2010/main" val="1714282485"/>
       </p:ext>
     </p:extLst>
   </p:cSld>
@@ -1493,7 +1493,7 @@
           <p:cNvPr id="2" name="标题 1">
             <a:extLst>
               <a:ext uri="{FF2B5EF4-FFF2-40B4-BE49-F238E27FC236}">
-                <a16:creationId xmlns:a16="http://schemas.microsoft.com/office/drawing/2014/main" id="{F3F154A1-BCE3-C951-89AC-96B2551EA195}"/>
+                <a16:creationId xmlns:a16="http://schemas.microsoft.com/office/drawing/2014/main" id="{03659DF1-B04A-EA35-5EE6-C8CB87AE49C0}"/>
               </a:ext>
             </a:extLst>
           </p:cNvPr>
@@ -1526,7 +1526,7 @@
           <p:cNvPr id="3" name="文本占位符 2">
             <a:extLst>
               <a:ext uri="{FF2B5EF4-FFF2-40B4-BE49-F238E27FC236}">
-                <a16:creationId xmlns:a16="http://schemas.microsoft.com/office/drawing/2014/main" id="{485A4A95-1416-B949-B760-1064A4D12F52}"/>
+                <a16:creationId xmlns:a16="http://schemas.microsoft.com/office/drawing/2014/main" id="{DF62AB77-3210-7201-D088-43AE0A1ECE35}"/>
               </a:ext>
             </a:extLst>
           </p:cNvPr>
@@ -1597,7 +1597,7 @@
           <p:cNvPr id="4" name="内容占位符 3">
             <a:extLst>
               <a:ext uri="{FF2B5EF4-FFF2-40B4-BE49-F238E27FC236}">
-                <a16:creationId xmlns:a16="http://schemas.microsoft.com/office/drawing/2014/main" id="{FB7F421B-2C72-7ADA-14A7-FB8DD0B0C4E1}"/>
+                <a16:creationId xmlns:a16="http://schemas.microsoft.com/office/drawing/2014/main" id="{649323E7-1EC0-D968-0517-E648572D732F}"/>
               </a:ext>
             </a:extLst>
           </p:cNvPr>
@@ -1659,7 +1659,7 @@
           <p:cNvPr id="5" name="文本占位符 4">
             <a:extLst>
               <a:ext uri="{FF2B5EF4-FFF2-40B4-BE49-F238E27FC236}">
-                <a16:creationId xmlns:a16="http://schemas.microsoft.com/office/drawing/2014/main" id="{1628FCBB-6F0B-F368-C5B5-79FADF576B93}"/>
+                <a16:creationId xmlns:a16="http://schemas.microsoft.com/office/drawing/2014/main" id="{EADDBFFA-D4C5-4E19-5D1D-F76631BCEF2A}"/>
               </a:ext>
             </a:extLst>
           </p:cNvPr>
@@ -1730,7 +1730,7 @@
           <p:cNvPr id="6" name="内容占位符 5">
             <a:extLst>
               <a:ext uri="{FF2B5EF4-FFF2-40B4-BE49-F238E27FC236}">
-                <a16:creationId xmlns:a16="http://schemas.microsoft.com/office/drawing/2014/main" id="{8AD25272-26BD-884D-929D-9CFFAE50A107}"/>
+                <a16:creationId xmlns:a16="http://schemas.microsoft.com/office/drawing/2014/main" id="{E4981CBC-077C-E0AC-EA5B-D2B0BFA38D87}"/>
               </a:ext>
             </a:extLst>
           </p:cNvPr>
@@ -1792,7 +1792,7 @@
           <p:cNvPr id="7" name="日期占位符 6">
             <a:extLst>
               <a:ext uri="{FF2B5EF4-FFF2-40B4-BE49-F238E27FC236}">
-                <a16:creationId xmlns:a16="http://schemas.microsoft.com/office/drawing/2014/main" id="{029BB2CF-25A8-9D5C-63FC-155E0D1C5146}"/>
+                <a16:creationId xmlns:a16="http://schemas.microsoft.com/office/drawing/2014/main" id="{BF880B94-A9CA-4848-A65B-D8B68473C0E8}"/>
               </a:ext>
             </a:extLst>
           </p:cNvPr>
@@ -1808,7 +1808,7 @@
           <a:bodyPr/>
           <a:lstStyle/>
           <a:p>
-            <a:fld id="{9FE2E2A8-8E64-4739-A25E-6FAA75D9A269}" type="datetimeFigureOut">
+            <a:fld id="{48B55DAE-7671-42EA-A16D-EC535B003E4B}" type="datetimeFigureOut">
               <a:rPr lang="zh-CN" altLang="en-US" smtClean="0"/>
               <a:t>2024/3/10</a:t>
             </a:fld>
@@ -1821,7 +1821,7 @@
           <p:cNvPr id="8" name="页脚占位符 7">
             <a:extLst>
               <a:ext uri="{FF2B5EF4-FFF2-40B4-BE49-F238E27FC236}">
-                <a16:creationId xmlns:a16="http://schemas.microsoft.com/office/drawing/2014/main" id="{9BD19A58-E373-6365-3A2B-B8033E664392}"/>
+                <a16:creationId xmlns:a16="http://schemas.microsoft.com/office/drawing/2014/main" id="{4EB54EA2-F2D0-3335-1F6F-63A2D822179A}"/>
               </a:ext>
             </a:extLst>
           </p:cNvPr>
@@ -1846,7 +1846,7 @@
           <p:cNvPr id="9" name="灯片编号占位符 8">
             <a:extLst>
               <a:ext uri="{FF2B5EF4-FFF2-40B4-BE49-F238E27FC236}">
-                <a16:creationId xmlns:a16="http://schemas.microsoft.com/office/drawing/2014/main" id="{B20F7677-F099-E3C2-286B-C1F28C0831B9}"/>
+                <a16:creationId xmlns:a16="http://schemas.microsoft.com/office/drawing/2014/main" id="{F483FB4F-AEAE-6D44-C40B-CE39CC2F15C6}"/>
               </a:ext>
             </a:extLst>
           </p:cNvPr>
@@ -1862,7 +1862,7 @@
           <a:bodyPr/>
           <a:lstStyle/>
           <a:p>
-            <a:fld id="{6ABEA04E-3DAB-43AA-8A97-8B1FEC53F053}" type="slidenum">
+            <a:fld id="{70C3A1E3-F22C-41C7-84AF-8959A830B42D}" type="slidenum">
               <a:rPr lang="zh-CN" altLang="en-US" smtClean="0"/>
               <a:t>‹#›</a:t>
             </a:fld>
@@ -1873,7 +1873,7 @@
     </p:spTree>
     <p:extLst>
       <p:ext uri="{BB962C8B-B14F-4D97-AF65-F5344CB8AC3E}">
-        <p14:creationId xmlns:p14="http://schemas.microsoft.com/office/powerpoint/2010/main" val="1340974140"/>
+        <p14:creationId xmlns:p14="http://schemas.microsoft.com/office/powerpoint/2010/main" val="4020569391"/>
       </p:ext>
     </p:extLst>
   </p:cSld>
@@ -1905,7 +1905,7 @@
           <p:cNvPr id="2" name="标题 1">
             <a:extLst>
               <a:ext uri="{FF2B5EF4-FFF2-40B4-BE49-F238E27FC236}">
-                <a16:creationId xmlns:a16="http://schemas.microsoft.com/office/drawing/2014/main" id="{CD531A31-843F-1B1D-0653-F82E5BC8497F}"/>
+                <a16:creationId xmlns:a16="http://schemas.microsoft.com/office/drawing/2014/main" id="{DFA2602D-72F3-1CC9-FB51-6AD8F5799B03}"/>
               </a:ext>
             </a:extLst>
           </p:cNvPr>
@@ -1933,7 +1933,7 @@
           <p:cNvPr id="3" name="日期占位符 2">
             <a:extLst>
               <a:ext uri="{FF2B5EF4-FFF2-40B4-BE49-F238E27FC236}">
-                <a16:creationId xmlns:a16="http://schemas.microsoft.com/office/drawing/2014/main" id="{FE188AA5-0E1C-53F5-2301-637FF8ED6839}"/>
+                <a16:creationId xmlns:a16="http://schemas.microsoft.com/office/drawing/2014/main" id="{0661C061-0CD9-84C6-A354-A0D4443C5C8E}"/>
               </a:ext>
             </a:extLst>
           </p:cNvPr>
@@ -1949,7 +1949,7 @@
           <a:bodyPr/>
           <a:lstStyle/>
           <a:p>
-            <a:fld id="{9FE2E2A8-8E64-4739-A25E-6FAA75D9A269}" type="datetimeFigureOut">
+            <a:fld id="{48B55DAE-7671-42EA-A16D-EC535B003E4B}" type="datetimeFigureOut">
               <a:rPr lang="zh-CN" altLang="en-US" smtClean="0"/>
               <a:t>2024/3/10</a:t>
             </a:fld>
@@ -1962,7 +1962,7 @@
           <p:cNvPr id="4" name="页脚占位符 3">
             <a:extLst>
               <a:ext uri="{FF2B5EF4-FFF2-40B4-BE49-F238E27FC236}">
-                <a16:creationId xmlns:a16="http://schemas.microsoft.com/office/drawing/2014/main" id="{2D68C4CF-8DF9-3DF8-6AE3-C8C7463C9BD5}"/>
+                <a16:creationId xmlns:a16="http://schemas.microsoft.com/office/drawing/2014/main" id="{97FCBEB7-FD8E-70A1-9F9A-77256F92BF16}"/>
               </a:ext>
             </a:extLst>
           </p:cNvPr>
@@ -1987,7 +1987,7 @@
           <p:cNvPr id="5" name="灯片编号占位符 4">
             <a:extLst>
               <a:ext uri="{FF2B5EF4-FFF2-40B4-BE49-F238E27FC236}">
-                <a16:creationId xmlns:a16="http://schemas.microsoft.com/office/drawing/2014/main" id="{1B524F67-CFF0-F6C0-92DC-871636C04F85}"/>
+                <a16:creationId xmlns:a16="http://schemas.microsoft.com/office/drawing/2014/main" id="{D438EAD4-7361-85A7-424C-B5DD61966A4D}"/>
               </a:ext>
             </a:extLst>
           </p:cNvPr>
@@ -2003,7 +2003,7 @@
           <a:bodyPr/>
           <a:lstStyle/>
           <a:p>
-            <a:fld id="{6ABEA04E-3DAB-43AA-8A97-8B1FEC53F053}" type="slidenum">
+            <a:fld id="{70C3A1E3-F22C-41C7-84AF-8959A830B42D}" type="slidenum">
               <a:rPr lang="zh-CN" altLang="en-US" smtClean="0"/>
               <a:t>‹#›</a:t>
             </a:fld>
@@ -2014,7 +2014,7 @@
     </p:spTree>
     <p:extLst>
       <p:ext uri="{BB962C8B-B14F-4D97-AF65-F5344CB8AC3E}">
-        <p14:creationId xmlns:p14="http://schemas.microsoft.com/office/powerpoint/2010/main" val="2086632054"/>
+        <p14:creationId xmlns:p14="http://schemas.microsoft.com/office/powerpoint/2010/main" val="443143745"/>
       </p:ext>
     </p:extLst>
   </p:cSld>
@@ -2046,7 +2046,7 @@
           <p:cNvPr id="2" name="日期占位符 1">
             <a:extLst>
               <a:ext uri="{FF2B5EF4-FFF2-40B4-BE49-F238E27FC236}">
-                <a16:creationId xmlns:a16="http://schemas.microsoft.com/office/drawing/2014/main" id="{FBD89F79-470D-470A-A9A2-488A1B6ACE67}"/>
+                <a16:creationId xmlns:a16="http://schemas.microsoft.com/office/drawing/2014/main" id="{17681D78-5EBA-A820-E662-1C5EEA630FAD}"/>
               </a:ext>
             </a:extLst>
           </p:cNvPr>
@@ -2062,7 +2062,7 @@
           <a:bodyPr/>
           <a:lstStyle/>
           <a:p>
-            <a:fld id="{9FE2E2A8-8E64-4739-A25E-6FAA75D9A269}" type="datetimeFigureOut">
+            <a:fld id="{48B55DAE-7671-42EA-A16D-EC535B003E4B}" type="datetimeFigureOut">
               <a:rPr lang="zh-CN" altLang="en-US" smtClean="0"/>
               <a:t>2024/3/10</a:t>
             </a:fld>
@@ -2075,7 +2075,7 @@
           <p:cNvPr id="3" name="页脚占位符 2">
             <a:extLst>
               <a:ext uri="{FF2B5EF4-FFF2-40B4-BE49-F238E27FC236}">
-                <a16:creationId xmlns:a16="http://schemas.microsoft.com/office/drawing/2014/main" id="{9CFF384A-AD77-5D6A-30D0-079292712173}"/>
+                <a16:creationId xmlns:a16="http://schemas.microsoft.com/office/drawing/2014/main" id="{EEEE30B9-D6EE-5D60-82B2-5DFDD472D178}"/>
               </a:ext>
             </a:extLst>
           </p:cNvPr>
@@ -2100,7 +2100,7 @@
           <p:cNvPr id="4" name="灯片编号占位符 3">
             <a:extLst>
               <a:ext uri="{FF2B5EF4-FFF2-40B4-BE49-F238E27FC236}">
-                <a16:creationId xmlns:a16="http://schemas.microsoft.com/office/drawing/2014/main" id="{9FD76550-DD84-129D-1934-4E967DEEC737}"/>
+                <a16:creationId xmlns:a16="http://schemas.microsoft.com/office/drawing/2014/main" id="{2FF2D5D0-8327-90D2-8527-F93CA691ADE1}"/>
               </a:ext>
             </a:extLst>
           </p:cNvPr>
@@ -2116,7 +2116,7 @@
           <a:bodyPr/>
           <a:lstStyle/>
           <a:p>
-            <a:fld id="{6ABEA04E-3DAB-43AA-8A97-8B1FEC53F053}" type="slidenum">
+            <a:fld id="{70C3A1E3-F22C-41C7-84AF-8959A830B42D}" type="slidenum">
               <a:rPr lang="zh-CN" altLang="en-US" smtClean="0"/>
               <a:t>‹#›</a:t>
             </a:fld>
@@ -2127,7 +2127,7 @@
     </p:spTree>
     <p:extLst>
       <p:ext uri="{BB962C8B-B14F-4D97-AF65-F5344CB8AC3E}">
-        <p14:creationId xmlns:p14="http://schemas.microsoft.com/office/powerpoint/2010/main" val="1424274725"/>
+        <p14:creationId xmlns:p14="http://schemas.microsoft.com/office/powerpoint/2010/main" val="1609282769"/>
       </p:ext>
     </p:extLst>
   </p:cSld>
@@ -2159,7 +2159,7 @@
           <p:cNvPr id="2" name="标题 1">
             <a:extLst>
               <a:ext uri="{FF2B5EF4-FFF2-40B4-BE49-F238E27FC236}">
-                <a16:creationId xmlns:a16="http://schemas.microsoft.com/office/drawing/2014/main" id="{C356FA99-CBCC-67BB-F304-8238EDFD48D9}"/>
+                <a16:creationId xmlns:a16="http://schemas.microsoft.com/office/drawing/2014/main" id="{795D1584-C2D4-CAB4-91EC-E512635A2EC0}"/>
               </a:ext>
             </a:extLst>
           </p:cNvPr>
@@ -2196,7 +2196,7 @@
           <p:cNvPr id="3" name="内容占位符 2">
             <a:extLst>
               <a:ext uri="{FF2B5EF4-FFF2-40B4-BE49-F238E27FC236}">
-                <a16:creationId xmlns:a16="http://schemas.microsoft.com/office/drawing/2014/main" id="{2665BF8E-952A-00E9-F8C1-A26A831F5606}"/>
+                <a16:creationId xmlns:a16="http://schemas.microsoft.com/office/drawing/2014/main" id="{C599E20D-5993-33BB-D1FB-4D7B14F7E41F}"/>
               </a:ext>
             </a:extLst>
           </p:cNvPr>
@@ -2286,7 +2286,7 @@
           <p:cNvPr id="4" name="文本占位符 3">
             <a:extLst>
               <a:ext uri="{FF2B5EF4-FFF2-40B4-BE49-F238E27FC236}">
-                <a16:creationId xmlns:a16="http://schemas.microsoft.com/office/drawing/2014/main" id="{74F128CD-8651-00E8-E59A-7929EEF696AA}"/>
+                <a16:creationId xmlns:a16="http://schemas.microsoft.com/office/drawing/2014/main" id="{F26F5D07-29A4-A58D-FF2C-A20A7D0FBEB3}"/>
               </a:ext>
             </a:extLst>
           </p:cNvPr>
@@ -2357,7 +2357,7 @@
           <p:cNvPr id="5" name="日期占位符 4">
             <a:extLst>
               <a:ext uri="{FF2B5EF4-FFF2-40B4-BE49-F238E27FC236}">
-                <a16:creationId xmlns:a16="http://schemas.microsoft.com/office/drawing/2014/main" id="{E1EB6CDF-49AA-105D-84A4-BB0D11D171A0}"/>
+                <a16:creationId xmlns:a16="http://schemas.microsoft.com/office/drawing/2014/main" id="{E0C26C32-3F2D-F24E-37C8-3926D565FDAB}"/>
               </a:ext>
             </a:extLst>
           </p:cNvPr>
@@ -2373,7 +2373,7 @@
           <a:bodyPr/>
           <a:lstStyle/>
           <a:p>
-            <a:fld id="{9FE2E2A8-8E64-4739-A25E-6FAA75D9A269}" type="datetimeFigureOut">
+            <a:fld id="{48B55DAE-7671-42EA-A16D-EC535B003E4B}" type="datetimeFigureOut">
               <a:rPr lang="zh-CN" altLang="en-US" smtClean="0"/>
               <a:t>2024/3/10</a:t>
             </a:fld>
@@ -2386,7 +2386,7 @@
           <p:cNvPr id="6" name="页脚占位符 5">
             <a:extLst>
               <a:ext uri="{FF2B5EF4-FFF2-40B4-BE49-F238E27FC236}">
-                <a16:creationId xmlns:a16="http://schemas.microsoft.com/office/drawing/2014/main" id="{502EFE80-7278-CD04-6D4F-CEE24461EDB0}"/>
+                <a16:creationId xmlns:a16="http://schemas.microsoft.com/office/drawing/2014/main" id="{0BC8725B-3339-82D1-DF84-CE8DAF321A96}"/>
               </a:ext>
             </a:extLst>
           </p:cNvPr>
@@ -2411,7 +2411,7 @@
           <p:cNvPr id="7" name="灯片编号占位符 6">
             <a:extLst>
               <a:ext uri="{FF2B5EF4-FFF2-40B4-BE49-F238E27FC236}">
-                <a16:creationId xmlns:a16="http://schemas.microsoft.com/office/drawing/2014/main" id="{4E787560-A782-7712-96E7-BF1B09C00254}"/>
+                <a16:creationId xmlns:a16="http://schemas.microsoft.com/office/drawing/2014/main" id="{4B0D98D7-DB8D-11CE-8F33-1CB1D95B721C}"/>
               </a:ext>
             </a:extLst>
           </p:cNvPr>
@@ -2427,7 +2427,7 @@
           <a:bodyPr/>
           <a:lstStyle/>
           <a:p>
-            <a:fld id="{6ABEA04E-3DAB-43AA-8A97-8B1FEC53F053}" type="slidenum">
+            <a:fld id="{70C3A1E3-F22C-41C7-84AF-8959A830B42D}" type="slidenum">
               <a:rPr lang="zh-CN" altLang="en-US" smtClean="0"/>
               <a:t>‹#›</a:t>
             </a:fld>
@@ -2438,7 +2438,7 @@
     </p:spTree>
     <p:extLst>
       <p:ext uri="{BB962C8B-B14F-4D97-AF65-F5344CB8AC3E}">
-        <p14:creationId xmlns:p14="http://schemas.microsoft.com/office/powerpoint/2010/main" val="3504205222"/>
+        <p14:creationId xmlns:p14="http://schemas.microsoft.com/office/powerpoint/2010/main" val="1443902038"/>
       </p:ext>
     </p:extLst>
   </p:cSld>
@@ -2470,7 +2470,7 @@
           <p:cNvPr id="2" name="标题 1">
             <a:extLst>
               <a:ext uri="{FF2B5EF4-FFF2-40B4-BE49-F238E27FC236}">
-                <a16:creationId xmlns:a16="http://schemas.microsoft.com/office/drawing/2014/main" id="{B9B09393-52D1-6047-2359-585663B7352B}"/>
+                <a16:creationId xmlns:a16="http://schemas.microsoft.com/office/drawing/2014/main" id="{6313D2E8-4E06-0869-8879-3D28F51C77BD}"/>
               </a:ext>
             </a:extLst>
           </p:cNvPr>
@@ -2507,7 +2507,7 @@
           <p:cNvPr id="3" name="图片占位符 2">
             <a:extLst>
               <a:ext uri="{FF2B5EF4-FFF2-40B4-BE49-F238E27FC236}">
-                <a16:creationId xmlns:a16="http://schemas.microsoft.com/office/drawing/2014/main" id="{1557FA52-05AE-10FC-2160-904A461E8076}"/>
+                <a16:creationId xmlns:a16="http://schemas.microsoft.com/office/drawing/2014/main" id="{1A79E023-554F-F533-8E9F-C8D064CE3FCF}"/>
               </a:ext>
             </a:extLst>
           </p:cNvPr>
@@ -2574,7 +2574,7 @@
           <p:cNvPr id="4" name="文本占位符 3">
             <a:extLst>
               <a:ext uri="{FF2B5EF4-FFF2-40B4-BE49-F238E27FC236}">
-                <a16:creationId xmlns:a16="http://schemas.microsoft.com/office/drawing/2014/main" id="{622D821B-952A-4696-B429-0C7723BE73CF}"/>
+                <a16:creationId xmlns:a16="http://schemas.microsoft.com/office/drawing/2014/main" id="{99564B79-3603-6ADA-D1C1-BDE19DBB26A5}"/>
               </a:ext>
             </a:extLst>
           </p:cNvPr>
@@ -2645,7 +2645,7 @@
           <p:cNvPr id="5" name="日期占位符 4">
             <a:extLst>
               <a:ext uri="{FF2B5EF4-FFF2-40B4-BE49-F238E27FC236}">
-                <a16:creationId xmlns:a16="http://schemas.microsoft.com/office/drawing/2014/main" id="{153C1916-5DD7-040B-4A29-C2191056A9CA}"/>
+                <a16:creationId xmlns:a16="http://schemas.microsoft.com/office/drawing/2014/main" id="{E56F696B-9830-BA12-8E05-07F64D7F50C3}"/>
               </a:ext>
             </a:extLst>
           </p:cNvPr>
@@ -2661,7 +2661,7 @@
           <a:bodyPr/>
           <a:lstStyle/>
           <a:p>
-            <a:fld id="{9FE2E2A8-8E64-4739-A25E-6FAA75D9A269}" type="datetimeFigureOut">
+            <a:fld id="{48B55DAE-7671-42EA-A16D-EC535B003E4B}" type="datetimeFigureOut">
               <a:rPr lang="zh-CN" altLang="en-US" smtClean="0"/>
               <a:t>2024/3/10</a:t>
             </a:fld>
@@ -2674,7 +2674,7 @@
           <p:cNvPr id="6" name="页脚占位符 5">
             <a:extLst>
               <a:ext uri="{FF2B5EF4-FFF2-40B4-BE49-F238E27FC236}">
-                <a16:creationId xmlns:a16="http://schemas.microsoft.com/office/drawing/2014/main" id="{B0FF0EA6-819F-10C6-DBE2-6808D79FD0F5}"/>
+                <a16:creationId xmlns:a16="http://schemas.microsoft.com/office/drawing/2014/main" id="{AEA5A8E0-1CFE-BF4F-17AA-C6C911FFB498}"/>
               </a:ext>
             </a:extLst>
           </p:cNvPr>
@@ -2699,7 +2699,7 @@
           <p:cNvPr id="7" name="灯片编号占位符 6">
             <a:extLst>
               <a:ext uri="{FF2B5EF4-FFF2-40B4-BE49-F238E27FC236}">
-                <a16:creationId xmlns:a16="http://schemas.microsoft.com/office/drawing/2014/main" id="{23056B65-C8FF-1ECA-64BC-C48BBDA59C81}"/>
+                <a16:creationId xmlns:a16="http://schemas.microsoft.com/office/drawing/2014/main" id="{13D66956-0AE9-2C9A-2DF1-5F2807CBFDED}"/>
               </a:ext>
             </a:extLst>
           </p:cNvPr>
@@ -2715,7 +2715,7 @@
           <a:bodyPr/>
           <a:lstStyle/>
           <a:p>
-            <a:fld id="{6ABEA04E-3DAB-43AA-8A97-8B1FEC53F053}" type="slidenum">
+            <a:fld id="{70C3A1E3-F22C-41C7-84AF-8959A830B42D}" type="slidenum">
               <a:rPr lang="zh-CN" altLang="en-US" smtClean="0"/>
               <a:t>‹#›</a:t>
             </a:fld>
@@ -2726,7 +2726,7 @@
     </p:spTree>
     <p:extLst>
       <p:ext uri="{BB962C8B-B14F-4D97-AF65-F5344CB8AC3E}">
-        <p14:creationId xmlns:p14="http://schemas.microsoft.com/office/powerpoint/2010/main" val="1964194212"/>
+        <p14:creationId xmlns:p14="http://schemas.microsoft.com/office/powerpoint/2010/main" val="1868108795"/>
       </p:ext>
     </p:extLst>
   </p:cSld>
@@ -2763,7 +2763,7 @@
           <p:cNvPr id="2" name="标题占位符 1">
             <a:extLst>
               <a:ext uri="{FF2B5EF4-FFF2-40B4-BE49-F238E27FC236}">
-                <a16:creationId xmlns:a16="http://schemas.microsoft.com/office/drawing/2014/main" id="{FEA961E9-36A1-BBEB-B49C-1436BF67E076}"/>
+                <a16:creationId xmlns:a16="http://schemas.microsoft.com/office/drawing/2014/main" id="{F4185B59-F7B6-71B3-8FE7-D5BB80A748C0}"/>
               </a:ext>
             </a:extLst>
           </p:cNvPr>
@@ -2801,7 +2801,7 @@
           <p:cNvPr id="3" name="文本占位符 2">
             <a:extLst>
               <a:ext uri="{FF2B5EF4-FFF2-40B4-BE49-F238E27FC236}">
-                <a16:creationId xmlns:a16="http://schemas.microsoft.com/office/drawing/2014/main" id="{95E8E7CA-F56E-0512-967F-E580E855FDE8}"/>
+                <a16:creationId xmlns:a16="http://schemas.microsoft.com/office/drawing/2014/main" id="{63B2354B-2E65-5B43-7292-A085307DC311}"/>
               </a:ext>
             </a:extLst>
           </p:cNvPr>
@@ -2868,7 +2868,7 @@
           <p:cNvPr id="4" name="日期占位符 3">
             <a:extLst>
               <a:ext uri="{FF2B5EF4-FFF2-40B4-BE49-F238E27FC236}">
-                <a16:creationId xmlns:a16="http://schemas.microsoft.com/office/drawing/2014/main" id="{D2E444B9-7BD7-ABE0-C120-8A9F3B361A9F}"/>
+                <a16:creationId xmlns:a16="http://schemas.microsoft.com/office/drawing/2014/main" id="{FF7BD4D6-9ED8-3F93-5A58-B33A9DD79E58}"/>
               </a:ext>
             </a:extLst>
           </p:cNvPr>
@@ -2902,7 +2902,7 @@
             </a:lvl1pPr>
           </a:lstStyle>
           <a:p>
-            <a:fld id="{9FE2E2A8-8E64-4739-A25E-6FAA75D9A269}" type="datetimeFigureOut">
+            <a:fld id="{48B55DAE-7671-42EA-A16D-EC535B003E4B}" type="datetimeFigureOut">
               <a:rPr lang="zh-CN" altLang="en-US" smtClean="0"/>
               <a:t>2024/3/10</a:t>
             </a:fld>
@@ -2915,7 +2915,7 @@
           <p:cNvPr id="5" name="页脚占位符 4">
             <a:extLst>
               <a:ext uri="{FF2B5EF4-FFF2-40B4-BE49-F238E27FC236}">
-                <a16:creationId xmlns:a16="http://schemas.microsoft.com/office/drawing/2014/main" id="{7AACC234-B433-EC6D-6F4A-74A81A84741F}"/>
+                <a16:creationId xmlns:a16="http://schemas.microsoft.com/office/drawing/2014/main" id="{602252C4-3FCC-C9D2-6018-D104AB32C168}"/>
               </a:ext>
             </a:extLst>
           </p:cNvPr>
@@ -2958,7 +2958,7 @@
           <p:cNvPr id="6" name="灯片编号占位符 5">
             <a:extLst>
               <a:ext uri="{FF2B5EF4-FFF2-40B4-BE49-F238E27FC236}">
-                <a16:creationId xmlns:a16="http://schemas.microsoft.com/office/drawing/2014/main" id="{95AF2A92-93F0-66C2-7B43-7007C392F213}"/>
+                <a16:creationId xmlns:a16="http://schemas.microsoft.com/office/drawing/2014/main" id="{6A36BC32-8E2E-626B-019A-94EC5BF7EDB8}"/>
               </a:ext>
             </a:extLst>
           </p:cNvPr>
@@ -2992,7 +2992,7 @@
             </a:lvl1pPr>
           </a:lstStyle>
           <a:p>
-            <a:fld id="{6ABEA04E-3DAB-43AA-8A97-8B1FEC53F053}" type="slidenum">
+            <a:fld id="{70C3A1E3-F22C-41C7-84AF-8959A830B42D}" type="slidenum">
               <a:rPr lang="zh-CN" altLang="en-US" smtClean="0"/>
               <a:t>‹#›</a:t>
             </a:fld>
@@ -3003,7 +3003,7 @@
     </p:spTree>
     <p:extLst>
       <p:ext uri="{BB962C8B-B14F-4D97-AF65-F5344CB8AC3E}">
-        <p14:creationId xmlns:p14="http://schemas.microsoft.com/office/powerpoint/2010/main" val="3155820252"/>
+        <p14:creationId xmlns:p14="http://schemas.microsoft.com/office/powerpoint/2010/main" val="4184428834"/>
       </p:ext>
     </p:extLst>
   </p:cSld>
@@ -3323,7 +3323,7 @@
       </p:grpSpPr>
       <p:pic>
         <p:nvPicPr>
-          <p:cNvPr id="1434626" name="Picture 2" descr="1400"/>
+          <p:cNvPr id="1435650" name="Picture 2" descr="1401"/>
           <p:cNvPicPr>
             <a:picLocks noChangeAspect="1" noChangeArrowheads="1"/>
           </p:cNvPicPr>
@@ -3345,7 +3345,7 @@
         <p:spPr bwMode="auto">
           <a:xfrm>
             <a:off x="1524000" y="0"/>
-            <a:ext cx="9144000" cy="6858000"/>
+            <a:ext cx="9144000" cy="5949950"/>
           </a:xfrm>
           <a:prstGeom prst="rect">
             <a:avLst/>
